--- a/comp_networks/Общие понятия сетевых приложений и технологий.pptx
+++ b/comp_networks/Общие понятия сетевых приложений и технологий.pptx
@@ -18,7 +18,8 @@
     <p:sldId id="265" r:id="rId11"/>
     <p:sldId id="266" r:id="rId12"/>
     <p:sldId id="267" r:id="rId13"/>
-    <p:sldId id="257" r:id="rId14"/>
+    <p:sldId id="269" r:id="rId14"/>
+    <p:sldId id="257" r:id="rId15"/>
   </p:sldIdLst>
   <p:sldSz cx="9144000" cy="6858000" type="screen4x3"/>
   <p:notesSz cx="6858000" cy="9144000"/>
@@ -4259,6 +4260,18 @@
   <p:clrMapOvr>
     <a:masterClrMapping/>
   </p:clrMapOvr>
+  <mc:AlternateContent xmlns:mc="http://schemas.openxmlformats.org/markup-compatibility/2006">
+    <mc:Choice xmlns:p14="http://schemas.microsoft.com/office/powerpoint/2010/main" Requires="p14">
+      <p:transition spd="slow" p14:dur="1500">
+        <p:split orient="vert" dir="in"/>
+      </p:transition>
+    </mc:Choice>
+    <mc:Fallback>
+      <p:transition spd="slow">
+        <p:split orient="vert" dir="in"/>
+      </p:transition>
+    </mc:Fallback>
+  </mc:AlternateContent>
 </p:sld>
 </file>
 
@@ -4388,6 +4401,68 @@
         <p:txBody>
           <a:bodyPr/>
           <a:p>
+            <a:endParaRPr lang="en-US"/>
+          </a:p>
+        </p:txBody>
+      </p:sp>
+      <p:pic>
+        <p:nvPicPr>
+          <p:cNvPr id="4" name="Content Placeholder 3"/>
+          <p:cNvPicPr>
+            <a:picLocks noChangeAspect="1"/>
+          </p:cNvPicPr>
+          <p:nvPr>
+            <p:ph idx="1"/>
+          </p:nvPr>
+        </p:nvPicPr>
+        <p:blipFill>
+          <a:blip r:embed="rId1"/>
+          <a:stretch>
+            <a:fillRect/>
+          </a:stretch>
+        </p:blipFill>
+        <p:spPr>
+          <a:xfrm>
+            <a:off x="543560" y="260350"/>
+            <a:ext cx="8056880" cy="6043295"/>
+          </a:xfrm>
+          <a:prstGeom prst="rect">
+            <a:avLst/>
+          </a:prstGeom>
+        </p:spPr>
+      </p:pic>
+    </p:spTree>
+  </p:cSld>
+  <p:clrMapOvr>
+    <a:masterClrMapping/>
+  </p:clrMapOvr>
+</p:sld>
+</file>
+
+<file path=ppt/slides/slide12.xml><?xml version="1.0" encoding="utf-8"?>
+<p:sld xmlns:a="http://schemas.openxmlformats.org/drawingml/2006/main" xmlns:r="http://schemas.openxmlformats.org/officeDocument/2006/relationships" xmlns:p="http://schemas.openxmlformats.org/presentationml/2006/main">
+  <p:cSld>
+    <p:spTree>
+      <p:nvGrpSpPr>
+        <p:cNvPr id="1" name=""/>
+        <p:cNvGrpSpPr/>
+        <p:nvPr/>
+      </p:nvGrpSpPr>
+      <p:grpSpPr/>
+      <p:sp>
+        <p:nvSpPr>
+          <p:cNvPr id="2" name="Title 1"/>
+          <p:cNvSpPr>
+            <a:spLocks noGrp="1"/>
+          </p:cNvSpPr>
+          <p:nvPr>
+            <p:ph type="title"/>
+          </p:nvPr>
+        </p:nvSpPr>
+        <p:spPr/>
+        <p:txBody>
+          <a:bodyPr/>
+          <a:p>
             <a:r>
               <a:rPr lang="ru-RU" altLang="en-US"/>
               <a:t>Литература</a:t>
@@ -4443,6 +4518,31 @@
               <a:t>https://www.techsoup.org/support/articles-and-how-tos/networking-101-concepts-and-definitions</a:t>
             </a:r>
             <a:endParaRPr lang="en-US" sz="2000"/>
+          </a:p>
+        </p:txBody>
+      </p:sp>
+      <p:sp>
+        <p:nvSpPr>
+          <p:cNvPr id="4" name="Text Box 3"/>
+          <p:cNvSpPr txBox="1"/>
+          <p:nvPr/>
+        </p:nvSpPr>
+        <p:spPr>
+          <a:xfrm>
+            <a:off x="2257425" y="1807845"/>
+            <a:ext cx="309880" cy="368300"/>
+          </a:xfrm>
+          <a:prstGeom prst="rect">
+            <a:avLst/>
+          </a:prstGeom>
+          <a:noFill/>
+        </p:spPr>
+        <p:txBody>
+          <a:bodyPr wrap="none" rtlCol="0">
+            <a:spAutoFit/>
+          </a:bodyPr>
+          <a:p>
+            <a:endParaRPr lang="en-US"/>
           </a:p>
         </p:txBody>
       </p:sp>
@@ -4464,6 +4564,30 @@
         <p:nvPr/>
       </p:nvGrpSpPr>
       <p:grpSpPr/>
+      <p:pic>
+        <p:nvPicPr>
+          <p:cNvPr id="4" name="Picture 3"/>
+          <p:cNvPicPr>
+            <a:picLocks noChangeAspect="1"/>
+          </p:cNvPicPr>
+          <p:nvPr/>
+        </p:nvPicPr>
+        <p:blipFill>
+          <a:blip r:embed="rId1"/>
+          <a:stretch>
+            <a:fillRect/>
+          </a:stretch>
+        </p:blipFill>
+        <p:spPr>
+          <a:xfrm>
+            <a:off x="6708775" y="4615180"/>
+            <a:ext cx="2400935" cy="1475105"/>
+          </a:xfrm>
+          <a:prstGeom prst="rect">
+            <a:avLst/>
+          </a:prstGeom>
+        </p:spPr>
+      </p:pic>
       <p:sp>
         <p:nvSpPr>
           <p:cNvPr id="2" name="Title 1"/>
@@ -4576,6 +4700,30 @@
         <p:nvPr/>
       </p:nvGrpSpPr>
       <p:grpSpPr/>
+      <p:pic>
+        <p:nvPicPr>
+          <p:cNvPr id="4" name="Picture 3"/>
+          <p:cNvPicPr>
+            <a:picLocks noChangeAspect="1"/>
+          </p:cNvPicPr>
+          <p:nvPr/>
+        </p:nvPicPr>
+        <p:blipFill>
+          <a:blip r:embed="rId1"/>
+          <a:stretch>
+            <a:fillRect/>
+          </a:stretch>
+        </p:blipFill>
+        <p:spPr>
+          <a:xfrm>
+            <a:off x="5507990" y="2493010"/>
+            <a:ext cx="3336290" cy="2080895"/>
+          </a:xfrm>
+          <a:prstGeom prst="rect">
+            <a:avLst/>
+          </a:prstGeom>
+        </p:spPr>
+      </p:pic>
       <p:sp>
         <p:nvSpPr>
           <p:cNvPr id="2" name="Title 1"/>
@@ -4607,7 +4755,7 @@
         <p:spPr>
           <a:xfrm>
             <a:off x="457200" y="1268730"/>
-            <a:ext cx="8229600" cy="4525963"/>
+            <a:ext cx="8229600" cy="5648960"/>
           </a:xfrm>
         </p:spPr>
         <p:txBody>
@@ -5074,8 +5222,8 @@
         </p:blipFill>
         <p:spPr>
           <a:xfrm>
-            <a:off x="1550035" y="1600200"/>
-            <a:ext cx="6042660" cy="4526280"/>
+            <a:off x="971550" y="548640"/>
+            <a:ext cx="7184390" cy="5381625"/>
           </a:xfrm>
           <a:prstGeom prst="rect">
             <a:avLst/>
